--- a/스크립트언어기획/스언어 텀프 중간 발표.pptx
+++ b/스크립트언어기획/스언어 텀프 중간 발표.pptx
@@ -8058,7 +8058,7 @@
             <p:ph idx="1"/>
             <p:extLst>
               <p:ext uri="{D42A27DB-BD31-4B8C-83A1-F6EECF244321}">
-                <p14:modId xmlns:p14="http://schemas.microsoft.com/office/powerpoint/2010/main" val="495919476"/>
+                <p14:modId xmlns:p14="http://schemas.microsoft.com/office/powerpoint/2010/main" val="670918279"/>
               </p:ext>
             </p:extLst>
           </p:nvPr>
@@ -8520,8 +8520,8 @@
                     <a:p>
                       <a:pPr algn="ctr" latinLnBrk="1"/>
                       <a:r>
-                        <a:rPr lang="ko-KR" altLang="en-US" sz="1700"/>
-                        <a:t>중간발표 준비</a:t>
+                        <a:rPr lang="ko-KR" altLang="en-US" sz="1700" dirty="0"/>
+                        <a:t>이메일</a:t>
                       </a:r>
                     </a:p>
                   </a:txBody>
@@ -8586,8 +8586,8 @@
                     <a:p>
                       <a:pPr algn="ctr" latinLnBrk="1"/>
                       <a:r>
-                        <a:rPr lang="ko-KR" altLang="en-US" sz="1700"/>
-                        <a:t>이메일</a:t>
+                        <a:rPr lang="ko-KR" altLang="en-US" sz="1700" dirty="0"/>
+                        <a:t>지도</a:t>
                       </a:r>
                     </a:p>
                   </a:txBody>
@@ -8651,8 +8651,8 @@
                     <a:p>
                       <a:pPr algn="ctr" latinLnBrk="1"/>
                       <a:r>
-                        <a:rPr lang="ko-KR" altLang="en-US" sz="1700"/>
-                        <a:t>지도</a:t>
+                        <a:rPr lang="ko-KR" altLang="en-US" sz="1700" dirty="0"/>
+                        <a:t>버그 수정 및 보완</a:t>
                       </a:r>
                     </a:p>
                   </a:txBody>
